--- a/docs/diagrams/UndoRedoNewCommand2StateListDiagram.pptx
+++ b/docs/diagrams/UndoRedoNewCommand2StateListDiagram.pptx
@@ -112,10 +112,6 @@
 </p:presentation>
 </file>
 
-<file path=ppt/revisionInfo.xml><?xml version="1.0" encoding="utf-8"?>
-<p1510:revInfo xmlns:a="http://schemas.openxmlformats.org/drawingml/2006/main" xmlns:r="http://schemas.openxmlformats.org/officeDocument/2006/relationships" xmlns:p1510="http://schemas.microsoft.com/office/powerpoint/2015/10/main"/>
-</file>
-
 <file path=ppt/slideLayouts/slideLayout1.xml><?xml version="1.0" encoding="utf-8"?>
 <p:sldLayout xmlns:a="http://schemas.openxmlformats.org/drawingml/2006/main" xmlns:r="http://schemas.openxmlformats.org/officeDocument/2006/relationships" xmlns:p="http://schemas.openxmlformats.org/presentationml/2006/main" type="title" preserve="1">
   <p:cSld name="Title Slide">
@@ -265,7 +261,7 @@
           <a:p>
             <a:fld id="{03EC4E3E-8101-482F-A883-8B55DAFF7C07}" type="datetimeFigureOut">
               <a:rPr lang="en-SG" smtClean="0"/>
-              <a:t>6/7/2018</a:t>
+              <a:t>14/4/19</a:t>
             </a:fld>
             <a:endParaRPr lang="en-SG"/>
           </a:p>
@@ -465,7 +461,7 @@
           <a:p>
             <a:fld id="{03EC4E3E-8101-482F-A883-8B55DAFF7C07}" type="datetimeFigureOut">
               <a:rPr lang="en-SG" smtClean="0"/>
-              <a:t>6/7/2018</a:t>
+              <a:t>14/4/19</a:t>
             </a:fld>
             <a:endParaRPr lang="en-SG"/>
           </a:p>
@@ -675,7 +671,7 @@
           <a:p>
             <a:fld id="{03EC4E3E-8101-482F-A883-8B55DAFF7C07}" type="datetimeFigureOut">
               <a:rPr lang="en-SG" smtClean="0"/>
-              <a:t>6/7/2018</a:t>
+              <a:t>14/4/19</a:t>
             </a:fld>
             <a:endParaRPr lang="en-SG"/>
           </a:p>
@@ -875,7 +871,7 @@
           <a:p>
             <a:fld id="{03EC4E3E-8101-482F-A883-8B55DAFF7C07}" type="datetimeFigureOut">
               <a:rPr lang="en-SG" smtClean="0"/>
-              <a:t>6/7/2018</a:t>
+              <a:t>14/4/19</a:t>
             </a:fld>
             <a:endParaRPr lang="en-SG"/>
           </a:p>
@@ -1151,7 +1147,7 @@
           <a:p>
             <a:fld id="{03EC4E3E-8101-482F-A883-8B55DAFF7C07}" type="datetimeFigureOut">
               <a:rPr lang="en-SG" smtClean="0"/>
-              <a:t>6/7/2018</a:t>
+              <a:t>14/4/19</a:t>
             </a:fld>
             <a:endParaRPr lang="en-SG"/>
           </a:p>
@@ -1419,7 +1415,7 @@
           <a:p>
             <a:fld id="{03EC4E3E-8101-482F-A883-8B55DAFF7C07}" type="datetimeFigureOut">
               <a:rPr lang="en-SG" smtClean="0"/>
-              <a:t>6/7/2018</a:t>
+              <a:t>14/4/19</a:t>
             </a:fld>
             <a:endParaRPr lang="en-SG"/>
           </a:p>
@@ -1834,7 +1830,7 @@
           <a:p>
             <a:fld id="{03EC4E3E-8101-482F-A883-8B55DAFF7C07}" type="datetimeFigureOut">
               <a:rPr lang="en-SG" smtClean="0"/>
-              <a:t>6/7/2018</a:t>
+              <a:t>14/4/19</a:t>
             </a:fld>
             <a:endParaRPr lang="en-SG"/>
           </a:p>
@@ -1976,7 +1972,7 @@
           <a:p>
             <a:fld id="{03EC4E3E-8101-482F-A883-8B55DAFF7C07}" type="datetimeFigureOut">
               <a:rPr lang="en-SG" smtClean="0"/>
-              <a:t>6/7/2018</a:t>
+              <a:t>14/4/19</a:t>
             </a:fld>
             <a:endParaRPr lang="en-SG"/>
           </a:p>
@@ -2089,7 +2085,7 @@
           <a:p>
             <a:fld id="{03EC4E3E-8101-482F-A883-8B55DAFF7C07}" type="datetimeFigureOut">
               <a:rPr lang="en-SG" smtClean="0"/>
-              <a:t>6/7/2018</a:t>
+              <a:t>14/4/19</a:t>
             </a:fld>
             <a:endParaRPr lang="en-SG"/>
           </a:p>
@@ -2402,7 +2398,7 @@
           <a:p>
             <a:fld id="{03EC4E3E-8101-482F-A883-8B55DAFF7C07}" type="datetimeFigureOut">
               <a:rPr lang="en-SG" smtClean="0"/>
-              <a:t>6/7/2018</a:t>
+              <a:t>14/4/19</a:t>
             </a:fld>
             <a:endParaRPr lang="en-SG"/>
           </a:p>
@@ -2691,7 +2687,7 @@
           <a:p>
             <a:fld id="{03EC4E3E-8101-482F-A883-8B55DAFF7C07}" type="datetimeFigureOut">
               <a:rPr lang="en-SG" smtClean="0"/>
-              <a:t>6/7/2018</a:t>
+              <a:t>14/4/19</a:t>
             </a:fld>
             <a:endParaRPr lang="en-SG"/>
           </a:p>
@@ -2934,7 +2930,7 @@
           <a:p>
             <a:fld id="{03EC4E3E-8101-482F-A883-8B55DAFF7C07}" type="datetimeFigureOut">
               <a:rPr lang="en-SG" smtClean="0"/>
-              <a:t>6/7/2018</a:t>
+              <a:t>14/4/19</a:t>
             </a:fld>
             <a:endParaRPr lang="en-SG"/>
           </a:p>
@@ -3389,7 +3385,7 @@
             <a:pPr algn="ctr"/>
             <a:r>
               <a:rPr lang="en-SG" dirty="0"/>
-              <a:t>Add n/David… </a:t>
+              <a:t>Add f/Hello… </a:t>
             </a:r>
             <a:endParaRPr lang="en-US" dirty="0"/>
           </a:p>
@@ -3454,14 +3450,14 @@
           <p:nvPr>
             <p:extLst>
               <p:ext uri="{D42A27DB-BD31-4B8C-83A1-F6EECF244321}">
-                <p14:modId xmlns:p14="http://schemas.microsoft.com/office/powerpoint/2010/main" val="3571951523"/>
+                <p14:modId xmlns:p14="http://schemas.microsoft.com/office/powerpoint/2010/main" val="1433006909"/>
               </p:ext>
             </p:extLst>
           </p:nvPr>
         </p:nvGraphicFramePr>
         <p:xfrm>
           <a:off x="473240" y="1476102"/>
-          <a:ext cx="1825824" cy="417888"/>
+          <a:ext cx="1926000" cy="417888"/>
         </p:xfrm>
         <a:graphic>
           <a:graphicData uri="http://schemas.openxmlformats.org/drawingml/2006/table">
@@ -3470,7 +3466,7 @@
                 <a:tableStyleId>{638B1855-1B75-4FBE-930C-398BA8C253C6}</a:tableStyleId>
               </a:tblPr>
               <a:tblGrid>
-                <a:gridCol w="1825824">
+                <a:gridCol w="1926000">
                   <a:extLst>
                     <a:ext uri="{9D8B030D-6E8A-4147-A177-3AD203B41FA5}">
                       <a16:colId xmlns:a16="http://schemas.microsoft.com/office/drawing/2014/main" val="4240773277"/>
@@ -3486,11 +3482,7 @@
                     <a:p>
                       <a:r>
                         <a:rPr lang="en-SG" u="sng" dirty="0"/>
-                        <a:t>ab0:A</a:t>
-                      </a:r>
-                      <a:r>
-                        <a:rPr lang="en-SG" sz="1800" u="sng" dirty="0"/>
-                        <a:t>ddressBook</a:t>
+                        <a:t>cc0:CardCollection</a:t>
                       </a:r>
                       <a:endParaRPr lang="en-SG" sz="1600" u="sng" dirty="0"/>
                     </a:p>
@@ -3658,14 +3650,14 @@
           <p:nvPr>
             <p:extLst>
               <p:ext uri="{D42A27DB-BD31-4B8C-83A1-F6EECF244321}">
-                <p14:modId xmlns:p14="http://schemas.microsoft.com/office/powerpoint/2010/main" val="2341913009"/>
+                <p14:modId xmlns:p14="http://schemas.microsoft.com/office/powerpoint/2010/main" val="4269454137"/>
               </p:ext>
             </p:extLst>
           </p:nvPr>
         </p:nvGraphicFramePr>
         <p:xfrm>
-          <a:off x="2491232" y="1476102"/>
-          <a:ext cx="1825824" cy="417888"/>
+          <a:off x="2512252" y="1476102"/>
+          <a:ext cx="1926000" cy="417888"/>
         </p:xfrm>
         <a:graphic>
           <a:graphicData uri="http://schemas.openxmlformats.org/drawingml/2006/table">
@@ -3674,7 +3666,7 @@
                 <a:tableStyleId>{638B1855-1B75-4FBE-930C-398BA8C253C6}</a:tableStyleId>
               </a:tblPr>
               <a:tblGrid>
-                <a:gridCol w="1825824">
+                <a:gridCol w="1926000">
                   <a:extLst>
                     <a:ext uri="{9D8B030D-6E8A-4147-A177-3AD203B41FA5}">
                       <a16:colId xmlns:a16="http://schemas.microsoft.com/office/drawing/2014/main" val="4240773277"/>
@@ -3690,11 +3682,7 @@
                     <a:p>
                       <a:r>
                         <a:rPr lang="en-SG" u="sng" dirty="0"/>
-                        <a:t>ab1:A</a:t>
-                      </a:r>
-                      <a:r>
-                        <a:rPr lang="en-SG" sz="1800" u="sng" dirty="0"/>
-                        <a:t>ddressBook</a:t>
+                        <a:t>cc1:CardCollection</a:t>
                       </a:r>
                       <a:endParaRPr lang="en-SG" sz="1600" u="sng" dirty="0"/>
                     </a:p>
@@ -3726,14 +3714,14 @@
           <p:nvPr>
             <p:extLst>
               <p:ext uri="{D42A27DB-BD31-4B8C-83A1-F6EECF244321}">
-                <p14:modId xmlns:p14="http://schemas.microsoft.com/office/powerpoint/2010/main" val="2172716932"/>
+                <p14:modId xmlns:p14="http://schemas.microsoft.com/office/powerpoint/2010/main" val="3999002608"/>
               </p:ext>
             </p:extLst>
           </p:nvPr>
         </p:nvGraphicFramePr>
         <p:xfrm>
-          <a:off x="4509224" y="3926589"/>
-          <a:ext cx="1825824" cy="417888"/>
+          <a:off x="4551264" y="3926589"/>
+          <a:ext cx="1926000" cy="417888"/>
         </p:xfrm>
         <a:graphic>
           <a:graphicData uri="http://schemas.openxmlformats.org/drawingml/2006/table">
@@ -3742,7 +3730,7 @@
                 <a:tableStyleId>{638B1855-1B75-4FBE-930C-398BA8C253C6}</a:tableStyleId>
               </a:tblPr>
               <a:tblGrid>
-                <a:gridCol w="1825824">
+                <a:gridCol w="1926000">
                   <a:extLst>
                     <a:ext uri="{9D8B030D-6E8A-4147-A177-3AD203B41FA5}">
                       <a16:colId xmlns:a16="http://schemas.microsoft.com/office/drawing/2014/main" val="4240773277"/>
@@ -3757,12 +3745,8 @@
                     <a:lstStyle/>
                     <a:p>
                       <a:r>
-                        <a:rPr lang="en-SG" u="sng"/>
-                        <a:t>ab2:A</a:t>
-                      </a:r>
-                      <a:r>
-                        <a:rPr lang="en-SG" sz="1800" u="sng"/>
-                        <a:t>ddressBook</a:t>
+                        <a:rPr lang="en-SG" u="sng" dirty="0"/>
+                        <a:t>cc2:CardCollection</a:t>
                       </a:r>
                       <a:endParaRPr lang="en-SG" sz="1600" u="sng" dirty="0"/>
                     </a:p>
@@ -3794,14 +3778,14 @@
           <p:nvPr>
             <p:extLst>
               <p:ext uri="{D42A27DB-BD31-4B8C-83A1-F6EECF244321}">
-                <p14:modId xmlns:p14="http://schemas.microsoft.com/office/powerpoint/2010/main" val="4094059841"/>
+                <p14:modId xmlns:p14="http://schemas.microsoft.com/office/powerpoint/2010/main" val="3974676643"/>
               </p:ext>
             </p:extLst>
           </p:nvPr>
         </p:nvGraphicFramePr>
         <p:xfrm>
-          <a:off x="2491232" y="3908450"/>
-          <a:ext cx="1825824" cy="417888"/>
+          <a:off x="2512252" y="3908450"/>
+          <a:ext cx="1926000" cy="417888"/>
         </p:xfrm>
         <a:graphic>
           <a:graphicData uri="http://schemas.openxmlformats.org/drawingml/2006/table">
@@ -3810,7 +3794,7 @@
                 <a:tableStyleId>{638B1855-1B75-4FBE-930C-398BA8C253C6}</a:tableStyleId>
               </a:tblPr>
               <a:tblGrid>
-                <a:gridCol w="1825824">
+                <a:gridCol w="1926000">
                   <a:extLst>
                     <a:ext uri="{9D8B030D-6E8A-4147-A177-3AD203B41FA5}">
                       <a16:colId xmlns:a16="http://schemas.microsoft.com/office/drawing/2014/main" val="4240773277"/>
@@ -3826,11 +3810,7 @@
                     <a:p>
                       <a:r>
                         <a:rPr lang="en-SG" u="sng" dirty="0"/>
-                        <a:t>ab1:A</a:t>
-                      </a:r>
-                      <a:r>
-                        <a:rPr lang="en-SG" sz="1800" u="sng" dirty="0"/>
-                        <a:t>ddressBook</a:t>
+                        <a:t>cc1:CardCollection</a:t>
                       </a:r>
                       <a:endParaRPr lang="en-SG" sz="1600" u="sng" dirty="0"/>
                     </a:p>
@@ -3862,14 +3842,14 @@
           <p:nvPr>
             <p:extLst>
               <p:ext uri="{D42A27DB-BD31-4B8C-83A1-F6EECF244321}">
-                <p14:modId xmlns:p14="http://schemas.microsoft.com/office/powerpoint/2010/main" val="3467820198"/>
+                <p14:modId xmlns:p14="http://schemas.microsoft.com/office/powerpoint/2010/main" val="1450935354"/>
               </p:ext>
             </p:extLst>
           </p:nvPr>
         </p:nvGraphicFramePr>
         <p:xfrm>
           <a:off x="473240" y="3908450"/>
-          <a:ext cx="1825824" cy="417888"/>
+          <a:ext cx="1926000" cy="417888"/>
         </p:xfrm>
         <a:graphic>
           <a:graphicData uri="http://schemas.openxmlformats.org/drawingml/2006/table">
@@ -3878,7 +3858,7 @@
                 <a:tableStyleId>{638B1855-1B75-4FBE-930C-398BA8C253C6}</a:tableStyleId>
               </a:tblPr>
               <a:tblGrid>
-                <a:gridCol w="1825824">
+                <a:gridCol w="1926000">
                   <a:extLst>
                     <a:ext uri="{9D8B030D-6E8A-4147-A177-3AD203B41FA5}">
                       <a16:colId xmlns:a16="http://schemas.microsoft.com/office/drawing/2014/main" val="4240773277"/>
@@ -3894,11 +3874,7 @@
                     <a:p>
                       <a:r>
                         <a:rPr lang="en-SG" u="sng" dirty="0"/>
-                        <a:t>ab0:A</a:t>
-                      </a:r>
-                      <a:r>
-                        <a:rPr lang="en-SG" sz="1800" u="sng" dirty="0"/>
-                        <a:t>ddressBook</a:t>
+                        <a:t>cc0:CardCollection</a:t>
                       </a:r>
                       <a:endParaRPr lang="en-SG" sz="1600" u="sng" dirty="0"/>
                     </a:p>
@@ -3931,7 +3907,7 @@
         </p:nvCxnSpPr>
         <p:spPr>
           <a:xfrm flipV="1">
-            <a:off x="3380763" y="2019157"/>
+            <a:off x="3401783" y="2019157"/>
             <a:ext cx="0" cy="706873"/>
           </a:xfrm>
           <a:prstGeom prst="straightConnector1">
@@ -3975,7 +3951,7 @@
         </p:nvCxnSpPr>
         <p:spPr>
           <a:xfrm flipV="1">
-            <a:off x="5497637" y="4432492"/>
+            <a:off x="5508147" y="4432492"/>
             <a:ext cx="0" cy="706873"/>
           </a:xfrm>
           <a:prstGeom prst="straightConnector1">

--- a/docs/diagrams/UndoRedoNewCommand2StateListDiagram.pptx
+++ b/docs/diagrams/UndoRedoNewCommand2StateListDiagram.pptx
@@ -3355,7 +3355,7 @@
         </p:nvSpPr>
         <p:spPr>
           <a:xfrm>
-            <a:off x="5129284" y="2264095"/>
+            <a:off x="5519576" y="2264095"/>
             <a:ext cx="1933431" cy="1383977"/>
           </a:xfrm>
           <a:prstGeom prst="downArrow">
@@ -3393,7 +3393,7 @@
       </p:sp>
       <p:sp>
         <p:nvSpPr>
-          <p:cNvPr id="24" name="TextBox 23">
+          <p:cNvPr id="30" name="TextBox 29">
             <a:extLst>
               <a:ext uri="{FF2B5EF4-FFF2-40B4-BE49-F238E27FC236}">
                 <a16:creationId xmlns:a16="http://schemas.microsoft.com/office/drawing/2014/main" id="{3151A13B-9509-43FA-BFEB-1D9866A00B84}"/>
@@ -3405,7 +3405,7 @@
         </p:nvSpPr>
         <p:spPr>
           <a:xfrm>
-            <a:off x="1836612" y="2726030"/>
+            <a:off x="3894137" y="5914907"/>
             <a:ext cx="3207000" cy="369332"/>
           </a:xfrm>
           <a:prstGeom prst="rect">
@@ -3430,160 +3430,6 @@
               <a:rPr lang="en-SG" dirty="0">
                 <a:latin typeface="Consolas" panose="020B0609020204030204" pitchFamily="49" charset="0"/>
               </a:rPr>
-              <a:t> = 1</a:t>
-            </a:r>
-          </a:p>
-        </p:txBody>
-      </p:sp>
-      <p:graphicFrame>
-        <p:nvGraphicFramePr>
-          <p:cNvPr id="25" name="Table 24">
-            <a:extLst>
-              <a:ext uri="{FF2B5EF4-FFF2-40B4-BE49-F238E27FC236}">
-                <a16:creationId xmlns:a16="http://schemas.microsoft.com/office/drawing/2014/main" id="{F545FAB8-F1CE-4886-9BDE-E772BCB0A9C4}"/>
-              </a:ext>
-            </a:extLst>
-          </p:cNvPr>
-          <p:cNvGraphicFramePr>
-            <a:graphicFrameLocks noGrp="1"/>
-          </p:cNvGraphicFramePr>
-          <p:nvPr>
-            <p:extLst>
-              <p:ext uri="{D42A27DB-BD31-4B8C-83A1-F6EECF244321}">
-                <p14:modId xmlns:p14="http://schemas.microsoft.com/office/powerpoint/2010/main" val="1433006909"/>
-              </p:ext>
-            </p:extLst>
-          </p:nvPr>
-        </p:nvGraphicFramePr>
-        <p:xfrm>
-          <a:off x="473240" y="1476102"/>
-          <a:ext cx="1926000" cy="417888"/>
-        </p:xfrm>
-        <a:graphic>
-          <a:graphicData uri="http://schemas.openxmlformats.org/drawingml/2006/table">
-            <a:tbl>
-              <a:tblPr>
-                <a:tableStyleId>{638B1855-1B75-4FBE-930C-398BA8C253C6}</a:tableStyleId>
-              </a:tblPr>
-              <a:tblGrid>
-                <a:gridCol w="1926000">
-                  <a:extLst>
-                    <a:ext uri="{9D8B030D-6E8A-4147-A177-3AD203B41FA5}">
-                      <a16:colId xmlns:a16="http://schemas.microsoft.com/office/drawing/2014/main" val="4240773277"/>
-                    </a:ext>
-                  </a:extLst>
-                </a:gridCol>
-              </a:tblGrid>
-              <a:tr h="417888">
-                <a:tc>
-                  <a:txBody>
-                    <a:bodyPr/>
-                    <a:lstStyle/>
-                    <a:p>
-                      <a:r>
-                        <a:rPr lang="en-SG" u="sng" dirty="0"/>
-                        <a:t>cc0:CardCollection</a:t>
-                      </a:r>
-                      <a:endParaRPr lang="en-SG" sz="1600" u="sng" dirty="0"/>
-                    </a:p>
-                  </a:txBody>
-                  <a:tcPr/>
-                </a:tc>
-                <a:extLst>
-                  <a:ext uri="{0D108BD9-81ED-4DB2-BD59-A6C34878D82A}">
-                    <a16:rowId xmlns:a16="http://schemas.microsoft.com/office/drawing/2014/main" val="2194462629"/>
-                  </a:ext>
-                </a:extLst>
-              </a:tr>
-            </a:tbl>
-          </a:graphicData>
-        </a:graphic>
-      </p:graphicFrame>
-      <p:sp>
-        <p:nvSpPr>
-          <p:cNvPr id="29" name="Rectangle 28"/>
-          <p:cNvSpPr/>
-          <p:nvPr/>
-        </p:nvSpPr>
-        <p:spPr>
-          <a:xfrm>
-            <a:off x="364797" y="1375953"/>
-            <a:ext cx="11364686" cy="618187"/>
-          </a:xfrm>
-          <a:prstGeom prst="rect">
-            <a:avLst/>
-          </a:prstGeom>
-          <a:noFill/>
-          <a:ln>
-            <a:solidFill>
-              <a:schemeClr val="tx1"/>
-            </a:solidFill>
-          </a:ln>
-        </p:spPr>
-        <p:style>
-          <a:lnRef idx="2">
-            <a:schemeClr val="accent1">
-              <a:shade val="50000"/>
-            </a:schemeClr>
-          </a:lnRef>
-          <a:fillRef idx="1">
-            <a:schemeClr val="accent1"/>
-          </a:fillRef>
-          <a:effectRef idx="0">
-            <a:schemeClr val="accent1"/>
-          </a:effectRef>
-          <a:fontRef idx="minor">
-            <a:schemeClr val="lt1"/>
-          </a:fontRef>
-        </p:style>
-        <p:txBody>
-          <a:bodyPr rtlCol="0" anchor="ctr"/>
-          <a:lstStyle/>
-          <a:p>
-            <a:pPr algn="ctr"/>
-            <a:endParaRPr lang="en-US"/>
-          </a:p>
-        </p:txBody>
-      </p:sp>
-      <p:sp>
-        <p:nvSpPr>
-          <p:cNvPr id="30" name="TextBox 29">
-            <a:extLst>
-              <a:ext uri="{FF2B5EF4-FFF2-40B4-BE49-F238E27FC236}">
-                <a16:creationId xmlns:a16="http://schemas.microsoft.com/office/drawing/2014/main" id="{3151A13B-9509-43FA-BFEB-1D9866A00B84}"/>
-              </a:ext>
-            </a:extLst>
-          </p:cNvPr>
-          <p:cNvSpPr txBox="1"/>
-          <p:nvPr/>
-        </p:nvSpPr>
-        <p:spPr>
-          <a:xfrm>
-            <a:off x="3894137" y="5123174"/>
-            <a:ext cx="3207000" cy="369332"/>
-          </a:xfrm>
-          <a:prstGeom prst="rect">
-            <a:avLst/>
-          </a:prstGeom>
-          <a:noFill/>
-        </p:spPr>
-        <p:txBody>
-          <a:bodyPr wrap="square" rtlCol="0">
-            <a:spAutoFit/>
-          </a:bodyPr>
-          <a:lstStyle/>
-          <a:p>
-            <a:pPr algn="ctr"/>
-            <a:r>
-              <a:rPr lang="en-SG" dirty="0" err="1">
-                <a:latin typeface="Consolas" panose="020B0609020204030204" pitchFamily="49" charset="0"/>
-              </a:rPr>
-              <a:t>currentStatePointer</a:t>
-            </a:r>
-            <a:r>
-              <a:rPr lang="en-SG" dirty="0">
-                <a:latin typeface="Consolas" panose="020B0609020204030204" pitchFamily="49" charset="0"/>
-              </a:rPr>
               <a:t> = 2</a:t>
             </a:r>
           </a:p>
@@ -3597,7 +3443,7 @@
         </p:nvSpPr>
         <p:spPr>
           <a:xfrm>
-            <a:off x="387404" y="3838574"/>
+            <a:off x="387404" y="4630307"/>
             <a:ext cx="11364686" cy="593918"/>
           </a:xfrm>
           <a:prstGeom prst="rect">
@@ -3637,7 +3483,7 @@
       </p:sp>
       <p:graphicFrame>
         <p:nvGraphicFramePr>
-          <p:cNvPr id="15" name="Table 14">
+          <p:cNvPr id="16" name="Table 15">
             <a:extLst>
               <a:ext uri="{FF2B5EF4-FFF2-40B4-BE49-F238E27FC236}">
                 <a16:creationId xmlns:a16="http://schemas.microsoft.com/office/drawing/2014/main" id="{F545FAB8-F1CE-4886-9BDE-E772BCB0A9C4}"/>
@@ -3650,77 +3496,13 @@
           <p:nvPr>
             <p:extLst>
               <p:ext uri="{D42A27DB-BD31-4B8C-83A1-F6EECF244321}">
-                <p14:modId xmlns:p14="http://schemas.microsoft.com/office/powerpoint/2010/main" val="4269454137"/>
+                <p14:modId xmlns:p14="http://schemas.microsoft.com/office/powerpoint/2010/main" val="1190580504"/>
               </p:ext>
             </p:extLst>
           </p:nvPr>
         </p:nvGraphicFramePr>
         <p:xfrm>
-          <a:off x="2512252" y="1476102"/>
-          <a:ext cx="1926000" cy="417888"/>
-        </p:xfrm>
-        <a:graphic>
-          <a:graphicData uri="http://schemas.openxmlformats.org/drawingml/2006/table">
-            <a:tbl>
-              <a:tblPr>
-                <a:tableStyleId>{638B1855-1B75-4FBE-930C-398BA8C253C6}</a:tableStyleId>
-              </a:tblPr>
-              <a:tblGrid>
-                <a:gridCol w="1926000">
-                  <a:extLst>
-                    <a:ext uri="{9D8B030D-6E8A-4147-A177-3AD203B41FA5}">
-                      <a16:colId xmlns:a16="http://schemas.microsoft.com/office/drawing/2014/main" val="4240773277"/>
-                    </a:ext>
-                  </a:extLst>
-                </a:gridCol>
-              </a:tblGrid>
-              <a:tr h="417888">
-                <a:tc>
-                  <a:txBody>
-                    <a:bodyPr/>
-                    <a:lstStyle/>
-                    <a:p>
-                      <a:r>
-                        <a:rPr lang="en-SG" u="sng" dirty="0"/>
-                        <a:t>cc1:CardCollection</a:t>
-                      </a:r>
-                      <a:endParaRPr lang="en-SG" sz="1600" u="sng" dirty="0"/>
-                    </a:p>
-                  </a:txBody>
-                  <a:tcPr/>
-                </a:tc>
-                <a:extLst>
-                  <a:ext uri="{0D108BD9-81ED-4DB2-BD59-A6C34878D82A}">
-                    <a16:rowId xmlns:a16="http://schemas.microsoft.com/office/drawing/2014/main" val="2194462629"/>
-                  </a:ext>
-                </a:extLst>
-              </a:tr>
-            </a:tbl>
-          </a:graphicData>
-        </a:graphic>
-      </p:graphicFrame>
-      <p:graphicFrame>
-        <p:nvGraphicFramePr>
-          <p:cNvPr id="16" name="Table 15">
-            <a:extLst>
-              <a:ext uri="{FF2B5EF4-FFF2-40B4-BE49-F238E27FC236}">
-                <a16:creationId xmlns:a16="http://schemas.microsoft.com/office/drawing/2014/main" id="{F545FAB8-F1CE-4886-9BDE-E772BCB0A9C4}"/>
-              </a:ext>
-            </a:extLst>
-          </p:cNvPr>
-          <p:cNvGraphicFramePr>
-            <a:graphicFrameLocks noGrp="1"/>
-          </p:cNvGraphicFramePr>
-          <p:nvPr>
-            <p:extLst>
-              <p:ext uri="{D42A27DB-BD31-4B8C-83A1-F6EECF244321}">
-                <p14:modId xmlns:p14="http://schemas.microsoft.com/office/powerpoint/2010/main" val="3999002608"/>
-              </p:ext>
-            </p:extLst>
-          </p:nvPr>
-        </p:nvGraphicFramePr>
-        <p:xfrm>
-          <a:off x="4551264" y="3926589"/>
+          <a:off x="4551264" y="4718322"/>
           <a:ext cx="1926000" cy="417888"/>
         </p:xfrm>
         <a:graphic>
@@ -3778,13 +3560,13 @@
           <p:nvPr>
             <p:extLst>
               <p:ext uri="{D42A27DB-BD31-4B8C-83A1-F6EECF244321}">
-                <p14:modId xmlns:p14="http://schemas.microsoft.com/office/powerpoint/2010/main" val="3974676643"/>
+                <p14:modId xmlns:p14="http://schemas.microsoft.com/office/powerpoint/2010/main" val="3192970436"/>
               </p:ext>
             </p:extLst>
           </p:nvPr>
         </p:nvGraphicFramePr>
         <p:xfrm>
-          <a:off x="2512252" y="3908450"/>
+          <a:off x="2512252" y="4700183"/>
           <a:ext cx="1926000" cy="417888"/>
         </p:xfrm>
         <a:graphic>
@@ -3842,13 +3624,13 @@
           <p:nvPr>
             <p:extLst>
               <p:ext uri="{D42A27DB-BD31-4B8C-83A1-F6EECF244321}">
-                <p14:modId xmlns:p14="http://schemas.microsoft.com/office/powerpoint/2010/main" val="1450935354"/>
+                <p14:modId xmlns:p14="http://schemas.microsoft.com/office/powerpoint/2010/main" val="1982468404"/>
               </p:ext>
             </p:extLst>
           </p:nvPr>
         </p:nvGraphicFramePr>
         <p:xfrm>
-          <a:off x="473240" y="3908450"/>
+          <a:off x="473240" y="4700183"/>
           <a:ext cx="1926000" cy="417888"/>
         </p:xfrm>
         <a:graphic>
@@ -3893,10 +3675,10 @@
       </p:graphicFrame>
       <p:cxnSp>
         <p:nvCxnSpPr>
-          <p:cNvPr id="14" name="Straight Arrow Connector 13">
-            <a:extLst>
-              <a:ext uri="{FF2B5EF4-FFF2-40B4-BE49-F238E27FC236}">
-                <a16:creationId xmlns:a16="http://schemas.microsoft.com/office/drawing/2014/main" id="{DE6F144C-EC66-46E7-97DC-BB839A1578F5}"/>
+          <p:cNvPr id="19" name="Straight Arrow Connector 18">
+            <a:extLst>
+              <a:ext uri="{FF2B5EF4-FFF2-40B4-BE49-F238E27FC236}">
+                <a16:creationId xmlns:a16="http://schemas.microsoft.com/office/drawing/2014/main" id="{8B2AD13C-14D7-4ED9-AAC9-B4BBD707577B}"/>
               </a:ext>
             </a:extLst>
           </p:cNvPr>
@@ -3907,7 +3689,7 @@
         </p:nvCxnSpPr>
         <p:spPr>
           <a:xfrm flipV="1">
-            <a:off x="3401783" y="2019157"/>
+            <a:off x="5508147" y="5224225"/>
             <a:ext cx="0" cy="706873"/>
           </a:xfrm>
           <a:prstGeom prst="straightConnector1">
@@ -3935,12 +3717,56 @@
           </a:fontRef>
         </p:style>
       </p:cxnSp>
+      <p:sp>
+        <p:nvSpPr>
+          <p:cNvPr id="20" name="TextBox 19">
+            <a:extLst>
+              <a:ext uri="{FF2B5EF4-FFF2-40B4-BE49-F238E27FC236}">
+                <a16:creationId xmlns:a16="http://schemas.microsoft.com/office/drawing/2014/main" id="{E4A21D6F-02D0-3C49-ADF8-AC351FE13B17}"/>
+              </a:ext>
+            </a:extLst>
+          </p:cNvPr>
+          <p:cNvSpPr txBox="1"/>
+          <p:nvPr/>
+        </p:nvSpPr>
+        <p:spPr>
+          <a:xfrm>
+            <a:off x="1967014" y="2830248"/>
+            <a:ext cx="3207000" cy="369332"/>
+          </a:xfrm>
+          <a:prstGeom prst="rect">
+            <a:avLst/>
+          </a:prstGeom>
+          <a:noFill/>
+        </p:spPr>
+        <p:txBody>
+          <a:bodyPr wrap="square" rtlCol="0">
+            <a:spAutoFit/>
+          </a:bodyPr>
+          <a:lstStyle/>
+          <a:p>
+            <a:pPr algn="ctr"/>
+            <a:r>
+              <a:rPr lang="en-SG" dirty="0" err="1">
+                <a:latin typeface="Consolas" panose="020B0609020204030204" pitchFamily="49" charset="0"/>
+              </a:rPr>
+              <a:t>currentStatePointer</a:t>
+            </a:r>
+            <a:r>
+              <a:rPr lang="en-SG" dirty="0">
+                <a:latin typeface="Consolas" panose="020B0609020204030204" pitchFamily="49" charset="0"/>
+              </a:rPr>
+              <a:t> = 1</a:t>
+            </a:r>
+          </a:p>
+        </p:txBody>
+      </p:sp>
       <p:cxnSp>
         <p:nvCxnSpPr>
-          <p:cNvPr id="19" name="Straight Arrow Connector 18">
-            <a:extLst>
-              <a:ext uri="{FF2B5EF4-FFF2-40B4-BE49-F238E27FC236}">
-                <a16:creationId xmlns:a16="http://schemas.microsoft.com/office/drawing/2014/main" id="{8B2AD13C-14D7-4ED9-AAC9-B4BBD707577B}"/>
+          <p:cNvPr id="26" name="Straight Arrow Connector 25">
+            <a:extLst>
+              <a:ext uri="{FF2B5EF4-FFF2-40B4-BE49-F238E27FC236}">
+                <a16:creationId xmlns:a16="http://schemas.microsoft.com/office/drawing/2014/main" id="{13E20047-2759-7447-9199-2325EBA6CA7E}"/>
               </a:ext>
             </a:extLst>
           </p:cNvPr>
@@ -3951,7 +3777,7 @@
         </p:nvCxnSpPr>
         <p:spPr>
           <a:xfrm flipV="1">
-            <a:off x="5508147" y="4432492"/>
+            <a:off x="3441702" y="2123375"/>
             <a:ext cx="0" cy="706873"/>
           </a:xfrm>
           <a:prstGeom prst="straightConnector1">
@@ -3979,6 +3805,650 @@
           </a:fontRef>
         </p:style>
       </p:cxnSp>
+      <p:sp>
+        <p:nvSpPr>
+          <p:cNvPr id="27" name="Rectangle 26">
+            <a:extLst>
+              <a:ext uri="{FF2B5EF4-FFF2-40B4-BE49-F238E27FC236}">
+                <a16:creationId xmlns:a16="http://schemas.microsoft.com/office/drawing/2014/main" id="{0DAA0156-C4E4-3E4C-A2E8-D1045BFF38CD}"/>
+              </a:ext>
+            </a:extLst>
+          </p:cNvPr>
+          <p:cNvSpPr/>
+          <p:nvPr/>
+        </p:nvSpPr>
+        <p:spPr>
+          <a:xfrm>
+            <a:off x="387404" y="604178"/>
+            <a:ext cx="11364686" cy="618187"/>
+          </a:xfrm>
+          <a:prstGeom prst="rect">
+            <a:avLst/>
+          </a:prstGeom>
+          <a:noFill/>
+          <a:ln>
+            <a:solidFill>
+              <a:schemeClr val="tx1"/>
+            </a:solidFill>
+          </a:ln>
+        </p:spPr>
+        <p:style>
+          <a:lnRef idx="2">
+            <a:schemeClr val="accent1">
+              <a:shade val="50000"/>
+            </a:schemeClr>
+          </a:lnRef>
+          <a:fillRef idx="1">
+            <a:schemeClr val="accent1"/>
+          </a:fillRef>
+          <a:effectRef idx="0">
+            <a:schemeClr val="accent1"/>
+          </a:effectRef>
+          <a:fontRef idx="minor">
+            <a:schemeClr val="lt1"/>
+          </a:fontRef>
+        </p:style>
+        <p:txBody>
+          <a:bodyPr rtlCol="0" anchor="ctr"/>
+          <a:lstStyle/>
+          <a:p>
+            <a:pPr algn="ctr"/>
+            <a:endParaRPr lang="en-US"/>
+          </a:p>
+        </p:txBody>
+      </p:sp>
+      <p:graphicFrame>
+        <p:nvGraphicFramePr>
+          <p:cNvPr id="28" name="Table 27">
+            <a:extLst>
+              <a:ext uri="{FF2B5EF4-FFF2-40B4-BE49-F238E27FC236}">
+                <a16:creationId xmlns:a16="http://schemas.microsoft.com/office/drawing/2014/main" id="{E6B7CE8B-C156-1440-8F33-6522409FBBF5}"/>
+              </a:ext>
+            </a:extLst>
+          </p:cNvPr>
+          <p:cNvGraphicFramePr>
+            <a:graphicFrameLocks noGrp="1"/>
+          </p:cNvGraphicFramePr>
+          <p:nvPr>
+            <p:extLst>
+              <p:ext uri="{D42A27DB-BD31-4B8C-83A1-F6EECF244321}">
+                <p14:modId xmlns:p14="http://schemas.microsoft.com/office/powerpoint/2010/main" val="3435395419"/>
+              </p:ext>
+            </p:extLst>
+          </p:nvPr>
+        </p:nvGraphicFramePr>
+        <p:xfrm>
+          <a:off x="2530836" y="700297"/>
+          <a:ext cx="1926000" cy="410363"/>
+        </p:xfrm>
+        <a:graphic>
+          <a:graphicData uri="http://schemas.openxmlformats.org/drawingml/2006/table">
+            <a:tbl>
+              <a:tblPr>
+                <a:tableStyleId>{638B1855-1B75-4FBE-930C-398BA8C253C6}</a:tableStyleId>
+              </a:tblPr>
+              <a:tblGrid>
+                <a:gridCol w="1926000">
+                  <a:extLst>
+                    <a:ext uri="{9D8B030D-6E8A-4147-A177-3AD203B41FA5}">
+                      <a16:colId xmlns:a16="http://schemas.microsoft.com/office/drawing/2014/main" val="4240773277"/>
+                    </a:ext>
+                  </a:extLst>
+                </a:gridCol>
+              </a:tblGrid>
+              <a:tr h="410363">
+                <a:tc>
+                  <a:txBody>
+                    <a:bodyPr/>
+                    <a:lstStyle/>
+                    <a:p>
+                      <a:pPr algn="ctr"/>
+                      <a:r>
+                        <a:rPr lang="en-SG" u="sng" dirty="0"/>
+                        <a:t>ch1:String</a:t>
+                      </a:r>
+                      <a:endParaRPr lang="en-SG" sz="1600" u="sng" dirty="0"/>
+                    </a:p>
+                  </a:txBody>
+                  <a:tcPr>
+                    <a:solidFill>
+                      <a:schemeClr val="accent5">
+                        <a:lumMod val="60000"/>
+                        <a:lumOff val="40000"/>
+                      </a:schemeClr>
+                    </a:solidFill>
+                  </a:tcPr>
+                </a:tc>
+                <a:extLst>
+                  <a:ext uri="{0D108BD9-81ED-4DB2-BD59-A6C34878D82A}">
+                    <a16:rowId xmlns:a16="http://schemas.microsoft.com/office/drawing/2014/main" val="2194462629"/>
+                  </a:ext>
+                </a:extLst>
+              </a:tr>
+            </a:tbl>
+          </a:graphicData>
+        </a:graphic>
+      </p:graphicFrame>
+      <p:graphicFrame>
+        <p:nvGraphicFramePr>
+          <p:cNvPr id="31" name="Table 30">
+            <a:extLst>
+              <a:ext uri="{FF2B5EF4-FFF2-40B4-BE49-F238E27FC236}">
+                <a16:creationId xmlns:a16="http://schemas.microsoft.com/office/drawing/2014/main" id="{27CA93E8-AC48-1C4D-B8FD-75923D23058A}"/>
+              </a:ext>
+            </a:extLst>
+          </p:cNvPr>
+          <p:cNvGraphicFramePr>
+            <a:graphicFrameLocks noGrp="1"/>
+          </p:cNvGraphicFramePr>
+          <p:nvPr>
+            <p:extLst>
+              <p:ext uri="{D42A27DB-BD31-4B8C-83A1-F6EECF244321}">
+                <p14:modId xmlns:p14="http://schemas.microsoft.com/office/powerpoint/2010/main" val="757472291"/>
+              </p:ext>
+            </p:extLst>
+          </p:nvPr>
+        </p:nvGraphicFramePr>
+        <p:xfrm>
+          <a:off x="491824" y="693824"/>
+          <a:ext cx="1907416" cy="410363"/>
+        </p:xfrm>
+        <a:graphic>
+          <a:graphicData uri="http://schemas.openxmlformats.org/drawingml/2006/table">
+            <a:tbl>
+              <a:tblPr>
+                <a:tableStyleId>{638B1855-1B75-4FBE-930C-398BA8C253C6}</a:tableStyleId>
+              </a:tblPr>
+              <a:tblGrid>
+                <a:gridCol w="1907416">
+                  <a:extLst>
+                    <a:ext uri="{9D8B030D-6E8A-4147-A177-3AD203B41FA5}">
+                      <a16:colId xmlns:a16="http://schemas.microsoft.com/office/drawing/2014/main" val="4240773277"/>
+                    </a:ext>
+                  </a:extLst>
+                </a:gridCol>
+              </a:tblGrid>
+              <a:tr h="410363">
+                <a:tc>
+                  <a:txBody>
+                    <a:bodyPr/>
+                    <a:lstStyle/>
+                    <a:p>
+                      <a:pPr algn="ctr"/>
+                      <a:r>
+                        <a:rPr lang="en-SG" u="sng" dirty="0"/>
+                        <a:t>ch0:String</a:t>
+                      </a:r>
+                      <a:endParaRPr lang="en-SG" sz="1600" u="sng" dirty="0"/>
+                    </a:p>
+                  </a:txBody>
+                  <a:tcPr>
+                    <a:solidFill>
+                      <a:schemeClr val="accent5">
+                        <a:lumMod val="60000"/>
+                        <a:lumOff val="40000"/>
+                      </a:schemeClr>
+                    </a:solidFill>
+                  </a:tcPr>
+                </a:tc>
+                <a:extLst>
+                  <a:ext uri="{0D108BD9-81ED-4DB2-BD59-A6C34878D82A}">
+                    <a16:rowId xmlns:a16="http://schemas.microsoft.com/office/drawing/2014/main" val="2194462629"/>
+                  </a:ext>
+                </a:extLst>
+              </a:tr>
+            </a:tbl>
+          </a:graphicData>
+        </a:graphic>
+      </p:graphicFrame>
+      <p:sp>
+        <p:nvSpPr>
+          <p:cNvPr id="41" name="Rectangle 40">
+            <a:extLst>
+              <a:ext uri="{FF2B5EF4-FFF2-40B4-BE49-F238E27FC236}">
+                <a16:creationId xmlns:a16="http://schemas.microsoft.com/office/drawing/2014/main" id="{C8B58876-BC47-1942-AB0C-F658F541A354}"/>
+              </a:ext>
+            </a:extLst>
+          </p:cNvPr>
+          <p:cNvSpPr/>
+          <p:nvPr/>
+        </p:nvSpPr>
+        <p:spPr>
+          <a:xfrm>
+            <a:off x="387404" y="3811856"/>
+            <a:ext cx="11364686" cy="618187"/>
+          </a:xfrm>
+          <a:prstGeom prst="rect">
+            <a:avLst/>
+          </a:prstGeom>
+          <a:noFill/>
+          <a:ln>
+            <a:solidFill>
+              <a:schemeClr val="tx1"/>
+            </a:solidFill>
+          </a:ln>
+        </p:spPr>
+        <p:style>
+          <a:lnRef idx="2">
+            <a:schemeClr val="accent1">
+              <a:shade val="50000"/>
+            </a:schemeClr>
+          </a:lnRef>
+          <a:fillRef idx="1">
+            <a:schemeClr val="accent1"/>
+          </a:fillRef>
+          <a:effectRef idx="0">
+            <a:schemeClr val="accent1"/>
+          </a:effectRef>
+          <a:fontRef idx="minor">
+            <a:schemeClr val="lt1"/>
+          </a:fontRef>
+        </p:style>
+        <p:txBody>
+          <a:bodyPr rtlCol="0" anchor="ctr"/>
+          <a:lstStyle/>
+          <a:p>
+            <a:pPr algn="ctr"/>
+            <a:endParaRPr lang="en-US"/>
+          </a:p>
+        </p:txBody>
+      </p:sp>
+      <p:graphicFrame>
+        <p:nvGraphicFramePr>
+          <p:cNvPr id="42" name="Table 41">
+            <a:extLst>
+              <a:ext uri="{FF2B5EF4-FFF2-40B4-BE49-F238E27FC236}">
+                <a16:creationId xmlns:a16="http://schemas.microsoft.com/office/drawing/2014/main" id="{568AD7BE-E97E-FD48-A6C1-5491FC50898D}"/>
+              </a:ext>
+            </a:extLst>
+          </p:cNvPr>
+          <p:cNvGraphicFramePr>
+            <a:graphicFrameLocks noGrp="1"/>
+          </p:cNvGraphicFramePr>
+          <p:nvPr>
+            <p:extLst>
+              <p:ext uri="{D42A27DB-BD31-4B8C-83A1-F6EECF244321}">
+                <p14:modId xmlns:p14="http://schemas.microsoft.com/office/powerpoint/2010/main" val="1887149511"/>
+              </p:ext>
+            </p:extLst>
+          </p:nvPr>
+        </p:nvGraphicFramePr>
+        <p:xfrm>
+          <a:off x="2530836" y="3907975"/>
+          <a:ext cx="1907416" cy="410363"/>
+        </p:xfrm>
+        <a:graphic>
+          <a:graphicData uri="http://schemas.openxmlformats.org/drawingml/2006/table">
+            <a:tbl>
+              <a:tblPr>
+                <a:tableStyleId>{638B1855-1B75-4FBE-930C-398BA8C253C6}</a:tableStyleId>
+              </a:tblPr>
+              <a:tblGrid>
+                <a:gridCol w="1907416">
+                  <a:extLst>
+                    <a:ext uri="{9D8B030D-6E8A-4147-A177-3AD203B41FA5}">
+                      <a16:colId xmlns:a16="http://schemas.microsoft.com/office/drawing/2014/main" val="4240773277"/>
+                    </a:ext>
+                  </a:extLst>
+                </a:gridCol>
+              </a:tblGrid>
+              <a:tr h="410363">
+                <a:tc>
+                  <a:txBody>
+                    <a:bodyPr/>
+                    <a:lstStyle/>
+                    <a:p>
+                      <a:pPr algn="ctr"/>
+                      <a:r>
+                        <a:rPr lang="en-SG" u="sng" dirty="0"/>
+                        <a:t>ch1:String</a:t>
+                      </a:r>
+                      <a:endParaRPr lang="en-SG" sz="1600" u="sng" dirty="0"/>
+                    </a:p>
+                  </a:txBody>
+                  <a:tcPr>
+                    <a:solidFill>
+                      <a:schemeClr val="accent5">
+                        <a:lumMod val="60000"/>
+                        <a:lumOff val="40000"/>
+                      </a:schemeClr>
+                    </a:solidFill>
+                  </a:tcPr>
+                </a:tc>
+                <a:extLst>
+                  <a:ext uri="{0D108BD9-81ED-4DB2-BD59-A6C34878D82A}">
+                    <a16:rowId xmlns:a16="http://schemas.microsoft.com/office/drawing/2014/main" val="2194462629"/>
+                  </a:ext>
+                </a:extLst>
+              </a:tr>
+            </a:tbl>
+          </a:graphicData>
+        </a:graphic>
+      </p:graphicFrame>
+      <p:graphicFrame>
+        <p:nvGraphicFramePr>
+          <p:cNvPr id="43" name="Table 42">
+            <a:extLst>
+              <a:ext uri="{FF2B5EF4-FFF2-40B4-BE49-F238E27FC236}">
+                <a16:creationId xmlns:a16="http://schemas.microsoft.com/office/drawing/2014/main" id="{43E807CA-EE64-0541-99DA-AE3729A8790F}"/>
+              </a:ext>
+            </a:extLst>
+          </p:cNvPr>
+          <p:cNvGraphicFramePr>
+            <a:graphicFrameLocks noGrp="1"/>
+          </p:cNvGraphicFramePr>
+          <p:nvPr>
+            <p:extLst>
+              <p:ext uri="{D42A27DB-BD31-4B8C-83A1-F6EECF244321}">
+                <p14:modId xmlns:p14="http://schemas.microsoft.com/office/powerpoint/2010/main" val="1209568498"/>
+              </p:ext>
+            </p:extLst>
+          </p:nvPr>
+        </p:nvGraphicFramePr>
+        <p:xfrm>
+          <a:off x="450797" y="3901502"/>
+          <a:ext cx="1967027" cy="410363"/>
+        </p:xfrm>
+        <a:graphic>
+          <a:graphicData uri="http://schemas.openxmlformats.org/drawingml/2006/table">
+            <a:tbl>
+              <a:tblPr>
+                <a:tableStyleId>{638B1855-1B75-4FBE-930C-398BA8C253C6}</a:tableStyleId>
+              </a:tblPr>
+              <a:tblGrid>
+                <a:gridCol w="1967027">
+                  <a:extLst>
+                    <a:ext uri="{9D8B030D-6E8A-4147-A177-3AD203B41FA5}">
+                      <a16:colId xmlns:a16="http://schemas.microsoft.com/office/drawing/2014/main" val="4240773277"/>
+                    </a:ext>
+                  </a:extLst>
+                </a:gridCol>
+              </a:tblGrid>
+              <a:tr h="410363">
+                <a:tc>
+                  <a:txBody>
+                    <a:bodyPr/>
+                    <a:lstStyle/>
+                    <a:p>
+                      <a:pPr algn="ctr"/>
+                      <a:r>
+                        <a:rPr lang="en-SG" u="sng" dirty="0"/>
+                        <a:t>ch0:String</a:t>
+                      </a:r>
+                      <a:endParaRPr lang="en-SG" sz="1600" u="sng" dirty="0"/>
+                    </a:p>
+                  </a:txBody>
+                  <a:tcPr>
+                    <a:solidFill>
+                      <a:schemeClr val="accent5">
+                        <a:lumMod val="60000"/>
+                        <a:lumOff val="40000"/>
+                      </a:schemeClr>
+                    </a:solidFill>
+                  </a:tcPr>
+                </a:tc>
+                <a:extLst>
+                  <a:ext uri="{0D108BD9-81ED-4DB2-BD59-A6C34878D82A}">
+                    <a16:rowId xmlns:a16="http://schemas.microsoft.com/office/drawing/2014/main" val="2194462629"/>
+                  </a:ext>
+                </a:extLst>
+              </a:tr>
+            </a:tbl>
+          </a:graphicData>
+        </a:graphic>
+      </p:graphicFrame>
+      <p:sp>
+        <p:nvSpPr>
+          <p:cNvPr id="44" name="Rectangle 43">
+            <a:extLst>
+              <a:ext uri="{FF2B5EF4-FFF2-40B4-BE49-F238E27FC236}">
+                <a16:creationId xmlns:a16="http://schemas.microsoft.com/office/drawing/2014/main" id="{A968A0BF-AC78-3042-882C-D659E0E72FBA}"/>
+              </a:ext>
+            </a:extLst>
+          </p:cNvPr>
+          <p:cNvSpPr/>
+          <p:nvPr/>
+        </p:nvSpPr>
+        <p:spPr>
+          <a:xfrm>
+            <a:off x="405988" y="1404342"/>
+            <a:ext cx="11364686" cy="593918"/>
+          </a:xfrm>
+          <a:prstGeom prst="rect">
+            <a:avLst/>
+          </a:prstGeom>
+          <a:noFill/>
+          <a:ln>
+            <a:solidFill>
+              <a:schemeClr val="tx1"/>
+            </a:solidFill>
+          </a:ln>
+        </p:spPr>
+        <p:style>
+          <a:lnRef idx="2">
+            <a:schemeClr val="accent1">
+              <a:shade val="50000"/>
+            </a:schemeClr>
+          </a:lnRef>
+          <a:fillRef idx="1">
+            <a:schemeClr val="accent1"/>
+          </a:fillRef>
+          <a:effectRef idx="0">
+            <a:schemeClr val="accent1"/>
+          </a:effectRef>
+          <a:fontRef idx="minor">
+            <a:schemeClr val="lt1"/>
+          </a:fontRef>
+        </p:style>
+        <p:txBody>
+          <a:bodyPr rtlCol="0" anchor="ctr"/>
+          <a:lstStyle/>
+          <a:p>
+            <a:pPr algn="ctr"/>
+            <a:endParaRPr lang="en-US"/>
+          </a:p>
+        </p:txBody>
+      </p:sp>
+      <p:graphicFrame>
+        <p:nvGraphicFramePr>
+          <p:cNvPr id="46" name="Table 45">
+            <a:extLst>
+              <a:ext uri="{FF2B5EF4-FFF2-40B4-BE49-F238E27FC236}">
+                <a16:creationId xmlns:a16="http://schemas.microsoft.com/office/drawing/2014/main" id="{A3ADEFE4-9A9F-8A43-A541-4CAA8524627C}"/>
+              </a:ext>
+            </a:extLst>
+          </p:cNvPr>
+          <p:cNvGraphicFramePr>
+            <a:graphicFrameLocks noGrp="1"/>
+          </p:cNvGraphicFramePr>
+          <p:nvPr>
+            <p:extLst>
+              <p:ext uri="{D42A27DB-BD31-4B8C-83A1-F6EECF244321}">
+                <p14:modId xmlns:p14="http://schemas.microsoft.com/office/powerpoint/2010/main" val="2771355471"/>
+              </p:ext>
+            </p:extLst>
+          </p:nvPr>
+        </p:nvGraphicFramePr>
+        <p:xfrm>
+          <a:off x="2530836" y="1474218"/>
+          <a:ext cx="1926000" cy="417888"/>
+        </p:xfrm>
+        <a:graphic>
+          <a:graphicData uri="http://schemas.openxmlformats.org/drawingml/2006/table">
+            <a:tbl>
+              <a:tblPr>
+                <a:tableStyleId>{638B1855-1B75-4FBE-930C-398BA8C253C6}</a:tableStyleId>
+              </a:tblPr>
+              <a:tblGrid>
+                <a:gridCol w="1926000">
+                  <a:extLst>
+                    <a:ext uri="{9D8B030D-6E8A-4147-A177-3AD203B41FA5}">
+                      <a16:colId xmlns:a16="http://schemas.microsoft.com/office/drawing/2014/main" val="4240773277"/>
+                    </a:ext>
+                  </a:extLst>
+                </a:gridCol>
+              </a:tblGrid>
+              <a:tr h="417888">
+                <a:tc>
+                  <a:txBody>
+                    <a:bodyPr/>
+                    <a:lstStyle/>
+                    <a:p>
+                      <a:r>
+                        <a:rPr lang="en-SG" u="sng" dirty="0"/>
+                        <a:t>cc1:CardCollection</a:t>
+                      </a:r>
+                      <a:endParaRPr lang="en-SG" sz="1600" u="sng" dirty="0"/>
+                    </a:p>
+                  </a:txBody>
+                  <a:tcPr/>
+                </a:tc>
+                <a:extLst>
+                  <a:ext uri="{0D108BD9-81ED-4DB2-BD59-A6C34878D82A}">
+                    <a16:rowId xmlns:a16="http://schemas.microsoft.com/office/drawing/2014/main" val="2194462629"/>
+                  </a:ext>
+                </a:extLst>
+              </a:tr>
+            </a:tbl>
+          </a:graphicData>
+        </a:graphic>
+      </p:graphicFrame>
+      <p:graphicFrame>
+        <p:nvGraphicFramePr>
+          <p:cNvPr id="47" name="Table 46">
+            <a:extLst>
+              <a:ext uri="{FF2B5EF4-FFF2-40B4-BE49-F238E27FC236}">
+                <a16:creationId xmlns:a16="http://schemas.microsoft.com/office/drawing/2014/main" id="{32EA6869-B53C-3545-8200-A8EF47CEFCED}"/>
+              </a:ext>
+            </a:extLst>
+          </p:cNvPr>
+          <p:cNvGraphicFramePr>
+            <a:graphicFrameLocks noGrp="1"/>
+          </p:cNvGraphicFramePr>
+          <p:nvPr>
+            <p:extLst>
+              <p:ext uri="{D42A27DB-BD31-4B8C-83A1-F6EECF244321}">
+                <p14:modId xmlns:p14="http://schemas.microsoft.com/office/powerpoint/2010/main" val="983988435"/>
+              </p:ext>
+            </p:extLst>
+          </p:nvPr>
+        </p:nvGraphicFramePr>
+        <p:xfrm>
+          <a:off x="491824" y="1474218"/>
+          <a:ext cx="1926000" cy="417888"/>
+        </p:xfrm>
+        <a:graphic>
+          <a:graphicData uri="http://schemas.openxmlformats.org/drawingml/2006/table">
+            <a:tbl>
+              <a:tblPr>
+                <a:tableStyleId>{638B1855-1B75-4FBE-930C-398BA8C253C6}</a:tableStyleId>
+              </a:tblPr>
+              <a:tblGrid>
+                <a:gridCol w="1926000">
+                  <a:extLst>
+                    <a:ext uri="{9D8B030D-6E8A-4147-A177-3AD203B41FA5}">
+                      <a16:colId xmlns:a16="http://schemas.microsoft.com/office/drawing/2014/main" val="4240773277"/>
+                    </a:ext>
+                  </a:extLst>
+                </a:gridCol>
+              </a:tblGrid>
+              <a:tr h="417888">
+                <a:tc>
+                  <a:txBody>
+                    <a:bodyPr/>
+                    <a:lstStyle/>
+                    <a:p>
+                      <a:r>
+                        <a:rPr lang="en-SG" u="sng" dirty="0"/>
+                        <a:t>cc0:CardCollection</a:t>
+                      </a:r>
+                      <a:endParaRPr lang="en-SG" sz="1600" u="sng" dirty="0"/>
+                    </a:p>
+                  </a:txBody>
+                  <a:tcPr/>
+                </a:tc>
+                <a:extLst>
+                  <a:ext uri="{0D108BD9-81ED-4DB2-BD59-A6C34878D82A}">
+                    <a16:rowId xmlns:a16="http://schemas.microsoft.com/office/drawing/2014/main" val="2194462629"/>
+                  </a:ext>
+                </a:extLst>
+              </a:tr>
+            </a:tbl>
+          </a:graphicData>
+        </a:graphic>
+      </p:graphicFrame>
+      <p:graphicFrame>
+        <p:nvGraphicFramePr>
+          <p:cNvPr id="48" name="Table 47">
+            <a:extLst>
+              <a:ext uri="{FF2B5EF4-FFF2-40B4-BE49-F238E27FC236}">
+                <a16:creationId xmlns:a16="http://schemas.microsoft.com/office/drawing/2014/main" id="{1B51E2E5-0817-8345-9786-6C5F3CFEA45A}"/>
+              </a:ext>
+            </a:extLst>
+          </p:cNvPr>
+          <p:cNvGraphicFramePr>
+            <a:graphicFrameLocks noGrp="1"/>
+          </p:cNvGraphicFramePr>
+          <p:nvPr>
+            <p:extLst>
+              <p:ext uri="{D42A27DB-BD31-4B8C-83A1-F6EECF244321}">
+                <p14:modId xmlns:p14="http://schemas.microsoft.com/office/powerpoint/2010/main" val="1740737042"/>
+              </p:ext>
+            </p:extLst>
+          </p:nvPr>
+        </p:nvGraphicFramePr>
+        <p:xfrm>
+          <a:off x="4554439" y="3915767"/>
+          <a:ext cx="1907416" cy="410363"/>
+        </p:xfrm>
+        <a:graphic>
+          <a:graphicData uri="http://schemas.openxmlformats.org/drawingml/2006/table">
+            <a:tbl>
+              <a:tblPr>
+                <a:tableStyleId>{638B1855-1B75-4FBE-930C-398BA8C253C6}</a:tableStyleId>
+              </a:tblPr>
+              <a:tblGrid>
+                <a:gridCol w="1907416">
+                  <a:extLst>
+                    <a:ext uri="{9D8B030D-6E8A-4147-A177-3AD203B41FA5}">
+                      <a16:colId xmlns:a16="http://schemas.microsoft.com/office/drawing/2014/main" val="4240773277"/>
+                    </a:ext>
+                  </a:extLst>
+                </a:gridCol>
+              </a:tblGrid>
+              <a:tr h="410363">
+                <a:tc>
+                  <a:txBody>
+                    <a:bodyPr/>
+                    <a:lstStyle/>
+                    <a:p>
+                      <a:pPr algn="ctr"/>
+                      <a:r>
+                        <a:rPr lang="en-SG" u="sng" dirty="0"/>
+                        <a:t>ch2:String</a:t>
+                      </a:r>
+                      <a:endParaRPr lang="en-SG" sz="1600" u="sng" dirty="0"/>
+                    </a:p>
+                  </a:txBody>
+                  <a:tcPr>
+                    <a:solidFill>
+                      <a:schemeClr val="accent5">
+                        <a:lumMod val="60000"/>
+                        <a:lumOff val="40000"/>
+                      </a:schemeClr>
+                    </a:solidFill>
+                  </a:tcPr>
+                </a:tc>
+                <a:extLst>
+                  <a:ext uri="{0D108BD9-81ED-4DB2-BD59-A6C34878D82A}">
+                    <a16:rowId xmlns:a16="http://schemas.microsoft.com/office/drawing/2014/main" val="2194462629"/>
+                  </a:ext>
+                </a:extLst>
+              </a:tr>
+            </a:tbl>
+          </a:graphicData>
+        </a:graphic>
+      </p:graphicFrame>
     </p:spTree>
     <p:extLst>
       <p:ext uri="{BB962C8B-B14F-4D97-AF65-F5344CB8AC3E}">
